--- a/SpringMVC.pptx
+++ b/SpringMVC.pptx
@@ -312,7 +312,7 @@
           <a:p>
             <a:fld id="{8F235549-BF0A-4B98-8561-3786244E808C}" type="datetimeFigureOut">
               <a:rPr lang="en-US" smtClean="0"/>
-              <a:t>3/16/2016</a:t>
+              <a:t>3/31/2016</a:t>
             </a:fld>
             <a:endParaRPr lang="en-US"/>
           </a:p>
@@ -512,7 +512,7 @@
           <a:p>
             <a:fld id="{8F235549-BF0A-4B98-8561-3786244E808C}" type="datetimeFigureOut">
               <a:rPr lang="en-US" smtClean="0"/>
-              <a:t>3/16/2016</a:t>
+              <a:t>3/31/2016</a:t>
             </a:fld>
             <a:endParaRPr lang="en-US"/>
           </a:p>
@@ -687,7 +687,7 @@
           <a:p>
             <a:fld id="{8F235549-BF0A-4B98-8561-3786244E808C}" type="datetimeFigureOut">
               <a:rPr lang="en-US" smtClean="0"/>
-              <a:t>3/16/2016</a:t>
+              <a:t>3/31/2016</a:t>
             </a:fld>
             <a:endParaRPr lang="en-US"/>
           </a:p>
@@ -852,7 +852,7 @@
           <a:p>
             <a:fld id="{8F235549-BF0A-4B98-8561-3786244E808C}" type="datetimeFigureOut">
               <a:rPr lang="en-US" smtClean="0"/>
-              <a:t>3/16/2016</a:t>
+              <a:t>3/31/2016</a:t>
             </a:fld>
             <a:endParaRPr lang="en-US"/>
           </a:p>
@@ -1100,7 +1100,7 @@
           <a:p>
             <a:fld id="{8F235549-BF0A-4B98-8561-3786244E808C}" type="datetimeFigureOut">
               <a:rPr lang="en-US" smtClean="0"/>
-              <a:t>3/16/2016</a:t>
+              <a:t>3/31/2016</a:t>
             </a:fld>
             <a:endParaRPr lang="en-US"/>
           </a:p>
@@ -1418,7 +1418,7 @@
           <a:p>
             <a:fld id="{8F235549-BF0A-4B98-8561-3786244E808C}" type="datetimeFigureOut">
               <a:rPr lang="en-US" smtClean="0"/>
-              <a:t>3/16/2016</a:t>
+              <a:t>3/31/2016</a:t>
             </a:fld>
             <a:endParaRPr lang="en-US"/>
           </a:p>
@@ -1884,7 +1884,7 @@
           <a:p>
             <a:fld id="{8F235549-BF0A-4B98-8561-3786244E808C}" type="datetimeFigureOut">
               <a:rPr lang="en-US" smtClean="0"/>
-              <a:t>3/16/2016</a:t>
+              <a:t>3/31/2016</a:t>
             </a:fld>
             <a:endParaRPr lang="en-US"/>
           </a:p>
@@ -2032,7 +2032,7 @@
           <a:p>
             <a:fld id="{8F235549-BF0A-4B98-8561-3786244E808C}" type="datetimeFigureOut">
               <a:rPr lang="en-US" smtClean="0"/>
-              <a:t>3/16/2016</a:t>
+              <a:t>3/31/2016</a:t>
             </a:fld>
             <a:endParaRPr lang="en-US"/>
           </a:p>
@@ -2122,7 +2122,7 @@
           <a:p>
             <a:fld id="{8F235549-BF0A-4B98-8561-3786244E808C}" type="datetimeFigureOut">
               <a:rPr lang="en-US" smtClean="0"/>
-              <a:t>3/16/2016</a:t>
+              <a:t>3/31/2016</a:t>
             </a:fld>
             <a:endParaRPr lang="en-US"/>
           </a:p>
@@ -2396,7 +2396,7 @@
           <a:p>
             <a:fld id="{8F235549-BF0A-4B98-8561-3786244E808C}" type="datetimeFigureOut">
               <a:rPr lang="en-US" smtClean="0"/>
-              <a:t>3/16/2016</a:t>
+              <a:t>3/31/2016</a:t>
             </a:fld>
             <a:endParaRPr lang="en-US"/>
           </a:p>
@@ -2701,7 +2701,7 @@
           <a:p>
             <a:fld id="{8F235549-BF0A-4B98-8561-3786244E808C}" type="datetimeFigureOut">
               <a:rPr lang="en-US" smtClean="0"/>
-              <a:t>3/16/2016</a:t>
+              <a:t>3/31/2016</a:t>
             </a:fld>
             <a:endParaRPr lang="en-US"/>
           </a:p>
@@ -2999,7 +2999,7 @@
           <a:p>
             <a:fld id="{8F235549-BF0A-4B98-8561-3786244E808C}" type="datetimeFigureOut">
               <a:rPr lang="en-US" smtClean="0"/>
-              <a:t>3/16/2016</a:t>
+              <a:t>3/31/2016</a:t>
             </a:fld>
             <a:endParaRPr lang="en-US"/>
           </a:p>
@@ -3516,15 +3516,7 @@
             </a:r>
             <a:r>
               <a:rPr lang="en-GB" sz="1600" dirty="0"/>
-              <a:t> annotation is a specialization of the </a:t>
-            </a:r>
-            <a:r>
-              <a:rPr lang="en-GB" sz="1600" dirty="0"/>
-              <a:t>@Component</a:t>
-            </a:r>
-            <a:r>
-              <a:rPr lang="en-GB" sz="1600" dirty="0"/>
-              <a:t> annotation with similar use and functionality. In addition to importing the DAOs into the DI container, it also makes the unchecked exceptions (thrown from DAO methods) eligible for translation into Spring </a:t>
+              <a:t> annotation is a specialization of the @Component annotation with similar use and functionality. In addition to importing the DAOs into the DI container, it also makes the unchecked exceptions (thrown from DAO methods) eligible for translation into Spring </a:t>
             </a:r>
             <a:r>
               <a:rPr lang="en-GB" sz="1600" dirty="0" smtClean="0"/>
@@ -3538,15 +3530,7 @@
             </a:r>
             <a:r>
               <a:rPr lang="en-GB" sz="1600" dirty="0"/>
-              <a:t> annotation is also a specialization of the component annotation. It doesn’t currently provide any additional behavior over the @Component annotation, but it’s a good idea to use @Service over </a:t>
-            </a:r>
-            <a:r>
-              <a:rPr lang="en-GB" sz="1600" dirty="0"/>
-              <a:t>@Component</a:t>
-            </a:r>
-            <a:r>
-              <a:rPr lang="en-GB" sz="1600" dirty="0"/>
-              <a:t> in service-layer classes because it specifies intent </a:t>
+              <a:t> annotation is also a specialization of the component annotation. It doesn’t currently provide any additional behavior over the @Component annotation, but it’s a good idea to use @Service over @Component in service-layer classes because it specifies intent </a:t>
             </a:r>
             <a:r>
               <a:rPr lang="en-GB" sz="1600" dirty="0" smtClean="0"/>
@@ -3560,31 +3544,7 @@
             </a:r>
             <a:r>
               <a:rPr lang="en-GB" sz="1600" dirty="0"/>
-              <a:t> annotation marks a class as a Spring Web MVC controller. It too is a </a:t>
-            </a:r>
-            <a:r>
-              <a:rPr lang="en-GB" sz="1600" dirty="0"/>
-              <a:t>@Component</a:t>
-            </a:r>
-            <a:r>
-              <a:rPr lang="en-GB" sz="1600" dirty="0"/>
-              <a:t> specialization, so beans marked with it are automatically imported into the DI container. When you add the </a:t>
-            </a:r>
-            <a:r>
-              <a:rPr lang="en-GB" sz="1600" dirty="0"/>
-              <a:t>@Controller</a:t>
-            </a:r>
-            <a:r>
-              <a:rPr lang="en-GB" sz="1600" dirty="0"/>
-              <a:t> annotation to a class, you can use another annotation i.e. </a:t>
-            </a:r>
-            <a:r>
-              <a:rPr lang="en-GB" sz="1600" dirty="0"/>
-              <a:t>@RequestMapping</a:t>
-            </a:r>
-            <a:r>
-              <a:rPr lang="en-GB" sz="1600" dirty="0"/>
-              <a:t>; to map URLs to instance methods of a class</a:t>
+              <a:t> annotation marks a class as a Spring Web MVC controller. It too is a @Component specialization, so beans marked with it are automatically imported into the DI container. When you add the @Controller annotation to a class, you can use another annotation i.e. @RequestMapping; to map URLs to instance methods of a class</a:t>
             </a:r>
             <a:endParaRPr lang="en-GB" sz="1600" dirty="0" smtClean="0"/>
           </a:p>
@@ -3672,19 +3632,7 @@
           <a:p>
             <a:r>
               <a:rPr lang="en-GB" sz="1600" dirty="0"/>
-              <a:t>ViewResolver</a:t>
-            </a:r>
-            <a:r>
-              <a:rPr lang="en-GB" sz="1600" dirty="0"/>
-              <a:t> is an interface to be implemented by objects that can resolve views by name. There are plenty of ways using which you can resolve view names. These ways are supported by various in-built implementations of this interface. Most commonly used implementation is </a:t>
-            </a:r>
-            <a:r>
-              <a:rPr lang="en-GB" sz="1600" dirty="0"/>
-              <a:t>InternalResourceViewResolver</a:t>
-            </a:r>
-            <a:r>
-              <a:rPr lang="en-GB" sz="1600" dirty="0"/>
-              <a:t> class. It </a:t>
+              <a:t>ViewResolver is an interface to be implemented by objects that can resolve views by name. There are plenty of ways using which you can resolve view names. These ways are supported by various in-built implementations of this interface. Most commonly used implementation is InternalResourceViewResolver class. It </a:t>
             </a:r>
             <a:r>
               <a:rPr lang="en-GB" sz="1600" dirty="0" smtClean="0"/>
@@ -3830,11 +3778,7 @@
           <a:p>
             <a:r>
               <a:rPr lang="en-US" dirty="0" smtClean="0"/>
-              <a:t>Spring MVC – </a:t>
-            </a:r>
-            <a:r>
-              <a:rPr lang="en-US" dirty="0" smtClean="0"/>
-              <a:t>MultipartResolver</a:t>
+              <a:t>Spring MVC – MultipartResolver</a:t>
             </a:r>
             <a:endParaRPr lang="en-US" dirty="0"/>
           </a:p>
@@ -3859,15 +3803,7 @@
           <a:p>
             <a:r>
               <a:rPr lang="en-GB" sz="1600" dirty="0"/>
-              <a:t>Spring comes with </a:t>
-            </a:r>
-            <a:r>
-              <a:rPr lang="en-GB" sz="1600" dirty="0"/>
-              <a:t>MultipartResolver</a:t>
-            </a:r>
-            <a:r>
-              <a:rPr lang="en-GB" sz="1600" dirty="0"/>
-              <a:t> to handle </a:t>
+              <a:t>Spring comes with MultipartResolver to handle </a:t>
             </a:r>
             <a:r>
               <a:rPr lang="en-GB" sz="1600" b="1" dirty="0">
@@ -3921,23 +3857,7 @@
           <a:p>
             <a:r>
               <a:rPr lang="en-GB" sz="1600" dirty="0"/>
-              <a:t>If a </a:t>
-            </a:r>
-            <a:r>
-              <a:rPr lang="en-GB" sz="1600" dirty="0"/>
-              <a:t>DispatcherServlet</a:t>
-            </a:r>
-            <a:r>
-              <a:rPr lang="en-GB" sz="1600" dirty="0"/>
-              <a:t> detects a multipart request, it will resolve it via the configured </a:t>
-            </a:r>
-            <a:r>
-              <a:rPr lang="en-GB" sz="1600" dirty="0"/>
-              <a:t>MultipartResolver</a:t>
-            </a:r>
-            <a:r>
-              <a:rPr lang="en-GB" sz="1600" dirty="0"/>
-              <a:t> and pass on a </a:t>
+              <a:t>If a DispatcherServlet detects a multipart request, it will resolve it via the configured MultipartResolver and pass on a </a:t>
             </a:r>
             <a:r>
               <a:rPr lang="en-GB" sz="1600" b="1" dirty="0">
@@ -3949,15 +3869,7 @@
             </a:r>
             <a:r>
               <a:rPr lang="en-GB" sz="1600" dirty="0"/>
-              <a:t>. Controllers can then cast their given request to the </a:t>
-            </a:r>
-            <a:r>
-              <a:rPr lang="en-GB" sz="1600" dirty="0"/>
-              <a:t>MultipartHttpServletRequest</a:t>
-            </a:r>
-            <a:r>
-              <a:rPr lang="en-GB" sz="1600" dirty="0"/>
-              <a:t> interface, which permits access to any </a:t>
+              <a:t>. Controllers can then cast their given request to the MultipartHttpServletRequest interface, which permits access to any </a:t>
             </a:r>
             <a:r>
               <a:rPr lang="en-GB" sz="1600" dirty="0" smtClean="0"/>
@@ -4026,11 +3938,7 @@
           <a:p>
             <a:r>
               <a:rPr lang="en-US" dirty="0" smtClean="0"/>
-              <a:t>Spring MVC – </a:t>
-            </a:r>
-            <a:r>
-              <a:rPr lang="en-US" dirty="0" smtClean="0"/>
-              <a:t>Validation</a:t>
+              <a:t>Spring MVC – Validation</a:t>
             </a:r>
             <a:endParaRPr lang="en-US" dirty="0"/>
           </a:p>
@@ -4270,11 +4178,7 @@
           <a:p>
             <a:r>
               <a:rPr lang="en-US" dirty="0" smtClean="0"/>
-              <a:t>Spring MVC – </a:t>
-            </a:r>
-            <a:r>
-              <a:rPr lang="en-US" dirty="0" smtClean="0"/>
-              <a:t>Interceptor</a:t>
+              <a:t>Spring MVC – Interceptor</a:t>
             </a:r>
             <a:endParaRPr lang="en-US" dirty="0"/>
           </a:p>
@@ -4322,15 +4226,7 @@
                   <a:srgbClr val="00B050"/>
                 </a:solidFill>
               </a:rPr>
-              <a:t>HandlerInterceptor</a:t>
-            </a:r>
-            <a:r>
-              <a:rPr lang="en-GB" sz="1600" b="1" dirty="0">
-                <a:solidFill>
-                  <a:srgbClr val="00B050"/>
-                </a:solidFill>
-              </a:rPr>
-              <a:t> interface</a:t>
+              <a:t>HandlerInterceptor interface</a:t>
             </a:r>
             <a:r>
               <a:rPr lang="en-GB" sz="1600" dirty="0"/>
@@ -4370,15 +4266,7 @@
           <a:p>
             <a:r>
               <a:rPr lang="en-GB" sz="1600" dirty="0"/>
-              <a:t>Each handler interceptor must implement the </a:t>
-            </a:r>
-            <a:r>
-              <a:rPr lang="en-GB" sz="1600" dirty="0"/>
-              <a:t>HandlerInterceptor</a:t>
-            </a:r>
-            <a:r>
-              <a:rPr lang="en-GB" sz="1600" dirty="0"/>
-              <a:t> </a:t>
+              <a:t>Each handler interceptor must implement the HandlerInterceptor </a:t>
             </a:r>
             <a:r>
               <a:rPr lang="en-GB" sz="1600" dirty="0" smtClean="0"/>
@@ -4415,15 +4303,7 @@
           <a:p>
             <a:r>
               <a:rPr lang="en-GB" sz="1600" dirty="0"/>
-              <a:t>Problem with </a:t>
-            </a:r>
-            <a:r>
-              <a:rPr lang="en-GB" sz="1600" dirty="0"/>
-              <a:t>HandlerInterceptor</a:t>
-            </a:r>
-            <a:r>
-              <a:rPr lang="en-GB" sz="1600" dirty="0"/>
-              <a:t> interface is that your new class will have to implement all three methods irrespective of whether it is needed or not. To avoid overriding, you can use </a:t>
+              <a:t>Problem with HandlerInterceptor interface is that your new class will have to implement all three methods irrespective of whether it is needed or not. To avoid overriding, you can use </a:t>
             </a:r>
             <a:r>
               <a:rPr lang="en-GB" sz="1600" b="1" dirty="0">
@@ -4509,11 +4389,7 @@
           <a:p>
             <a:r>
               <a:rPr lang="en-US" dirty="0" smtClean="0"/>
-              <a:t>Spring MVC – </a:t>
-            </a:r>
-            <a:r>
-              <a:rPr lang="en-US" dirty="0" smtClean="0"/>
-              <a:t>Exception Handling</a:t>
+              <a:t>Spring MVC – Exception Handling</a:t>
             </a:r>
             <a:endParaRPr lang="en-US" dirty="0"/>
           </a:p>
@@ -4580,15 +4456,7 @@
             </a:r>
             <a:r>
               <a:rPr lang="en-GB" sz="1600" dirty="0"/>
-              <a:t> interface for </a:t>
-            </a:r>
-            <a:r>
-              <a:rPr lang="en-GB" sz="1600" dirty="0"/>
-              <a:t>DispatcherServlet</a:t>
-            </a:r>
-            <a:r>
-              <a:rPr lang="en-GB" sz="1600" dirty="0"/>
-              <a:t> to auto-detect </a:t>
+              <a:t> interface for DispatcherServlet to auto-detect </a:t>
             </a:r>
             <a:r>
               <a:rPr lang="en-GB" sz="1600" dirty="0" smtClean="0"/>
@@ -4759,15 +4627,7 @@
           <a:p>
             <a:r>
               <a:rPr lang="en-GB" sz="1600" dirty="0"/>
-              <a:t>Spring framework is shipped with </a:t>
-            </a:r>
-            <a:r>
-              <a:rPr lang="en-GB" sz="1600" dirty="0"/>
-              <a:t>LocaleResolver</a:t>
-            </a:r>
-            <a:r>
-              <a:rPr lang="en-GB" sz="1600" dirty="0"/>
-              <a:t> to support the internationalization and thus localization as well. To make Spring MVC application supports the internationalization, you will need to register two </a:t>
+              <a:t>Spring framework is shipped with LocaleResolver to support the internationalization and thus localization as well. To make Spring MVC application supports the internationalization, you will need to register two </a:t>
             </a:r>
             <a:r>
               <a:rPr lang="en-GB" sz="1600" dirty="0" smtClean="0"/>
@@ -5594,7 +5454,6 @@
               <a:rPr lang="en-GB" sz="1600" dirty="0"/>
               <a:t>In Spring MVC Controllers can be configured using DI (IOC) that makes its testing and integration easy</a:t>
             </a:r>
-            <a:endParaRPr lang="en-GB" sz="1600" dirty="0"/>
           </a:p>
         </p:txBody>
       </p:sp>
@@ -5652,11 +5511,7 @@
           <a:p>
             <a:r>
               <a:rPr lang="en-US" dirty="0" smtClean="0"/>
-              <a:t>Spring MVC Adva</a:t>
-            </a:r>
-            <a:r>
-              <a:rPr lang="en-US" dirty="0" smtClean="0"/>
-              <a:t>ntages</a:t>
+              <a:t>Spring MVC Advantages</a:t>
             </a:r>
             <a:endParaRPr lang="en-US" dirty="0"/>
           </a:p>
@@ -5732,7 +5587,6 @@
               <a:rPr lang="en-GB" sz="1600" dirty="0" smtClean="0"/>
               <a:t>Etc.</a:t>
             </a:r>
-            <a:endParaRPr lang="en-GB" sz="1600" dirty="0" smtClean="0"/>
           </a:p>
           <a:p>
             <a:endParaRPr lang="en-GB" sz="1600" dirty="0"/>
@@ -5989,15 +5843,7 @@
                   <a:srgbClr val="00B050"/>
                 </a:solidFill>
               </a:rPr>
-              <a:t>&lt;servlet_name&gt;-servlet.xml</a:t>
-            </a:r>
-            <a:r>
-              <a:rPr lang="en-US" sz="1600" b="1" dirty="0">
-                <a:solidFill>
-                  <a:srgbClr val="00B050"/>
-                </a:solidFill>
-              </a:rPr>
-              <a:t>.</a:t>
+              <a:t>&lt;servlet_name&gt;-servlet.xml.</a:t>
             </a:r>
             <a:r>
               <a:rPr lang="en-US" sz="1600" dirty="0"/>
@@ -6051,15 +5897,7 @@
           <a:p>
             <a:r>
               <a:rPr lang="en-GB" sz="1600" dirty="0"/>
-              <a:t>Now add DispatcherServlet entry in </a:t>
-            </a:r>
-            <a:r>
-              <a:rPr lang="en-GB" sz="1600" dirty="0"/>
-              <a:t>web.xml</a:t>
-            </a:r>
-            <a:r>
-              <a:rPr lang="en-GB" sz="1600" dirty="0"/>
-              <a:t> file so that all incoming requests come though DispatcherServlet </a:t>
+              <a:t>Now add DispatcherServlet entry in web.xml file so that all incoming requests come though DispatcherServlet </a:t>
             </a:r>
             <a:r>
               <a:rPr lang="en-GB" sz="1600" dirty="0" smtClean="0"/>
